--- a/doc/mobile-metrics-proposal.pptx
+++ b/doc/mobile-metrics-proposal.pptx
@@ -12,11 +12,14 @@
     <p:sldId id="260" r:id="rId6"/>
     <p:sldId id="261" r:id="rId7"/>
     <p:sldId id="262" r:id="rId8"/>
-    <p:sldId id="263" r:id="rId9"/>
-    <p:sldId id="264" r:id="rId10"/>
-    <p:sldId id="265" r:id="rId11"/>
-    <p:sldId id="266" r:id="rId12"/>
-    <p:sldId id="267" r:id="rId13"/>
+    <p:sldId id="268" r:id="rId9"/>
+    <p:sldId id="269" r:id="rId10"/>
+    <p:sldId id="270" r:id="rId11"/>
+    <p:sldId id="263" r:id="rId12"/>
+    <p:sldId id="264" r:id="rId13"/>
+    <p:sldId id="265" r:id="rId14"/>
+    <p:sldId id="266" r:id="rId15"/>
+    <p:sldId id="267" r:id="rId16"/>
   </p:sldIdLst>
   <p:sldSz cx="9144000" cy="6858000" type="screen4x3"/>
   <p:notesSz cx="6858000" cy="9144000"/>
@@ -3158,10 +3161,13 @@
           <a:bodyPr/>
           <a:lstStyle/>
           <a:p>
-            <a:pPr algn="l"/>
-            <a:r>
-              <a:rPr lang="en-US" dirty="0" smtClean="0"/>
-              <a:t>1.2.0</a:t>
+            <a:r>
+              <a:rPr lang="en-US" dirty="0" smtClean="0"/>
+              <a:t>Usage Guild </a:t>
+            </a:r>
+            <a:r>
+              <a:rPr lang="en-US" dirty="0" smtClean="0"/>
+              <a:t>3</a:t>
             </a:r>
             <a:endParaRPr lang="en-US" dirty="0"/>
           </a:p>
@@ -3179,53 +3185,30 @@
         </p:nvSpPr>
         <p:spPr/>
         <p:txBody>
-          <a:bodyPr>
-            <a:normAutofit/>
-          </a:bodyPr>
-          <a:lstStyle/>
-          <a:p>
-            <a:r>
-              <a:rPr lang="en-US" dirty="0" smtClean="0"/>
-              <a:t>Support</a:t>
-            </a:r>
-          </a:p>
-          <a:p>
-            <a:pPr lvl="1"/>
-            <a:r>
-              <a:rPr lang="en-US" dirty="0" smtClean="0"/>
-              <a:t>CloudFoundry, App Engine</a:t>
-            </a:r>
-          </a:p>
-          <a:p>
-            <a:r>
-              <a:rPr lang="en-US" dirty="0" smtClean="0"/>
-              <a:t>Support</a:t>
-            </a:r>
-          </a:p>
-          <a:p>
-            <a:pPr lvl="1"/>
-            <a:r>
-              <a:rPr lang="en-US" dirty="0" smtClean="0"/>
-              <a:t>IOS</a:t>
-            </a:r>
-          </a:p>
-          <a:p>
-            <a:r>
-              <a:rPr lang="en-US" dirty="0" smtClean="0"/>
-              <a:t>GUI</a:t>
-            </a:r>
-          </a:p>
-          <a:p>
-            <a:r>
-              <a:rPr lang="en-US" dirty="0" smtClean="0"/>
-              <a:t>Done for All Use Case</a:t>
-            </a:r>
-          </a:p>
-          <a:p>
-            <a:r>
-              <a:rPr lang="en-US" dirty="0" smtClean="0"/>
-              <a:t>Test</a:t>
-            </a:r>
+          <a:bodyPr/>
+          <a:lstStyle/>
+          <a:p>
+            <a:r>
+              <a:rPr lang="en-US" dirty="0" smtClean="0"/>
+              <a:t>Customize</a:t>
+            </a:r>
+          </a:p>
+          <a:p>
+            <a:pPr lvl="1"/>
+            <a:r>
+              <a:rPr lang="en-US" dirty="0" smtClean="0"/>
+              <a:t>Config client reporter</a:t>
+            </a:r>
+          </a:p>
+          <a:p>
+            <a:pPr lvl="1"/>
+            <a:r>
+              <a:rPr lang="en-US" dirty="0" smtClean="0"/>
+              <a:t>Create backend plug-in</a:t>
+            </a:r>
+          </a:p>
+          <a:p>
+            <a:endParaRPr lang="en-US" dirty="0" smtClean="0"/>
           </a:p>
           <a:p>
             <a:endParaRPr lang="en-US" dirty="0" smtClean="0"/>
@@ -3275,10 +3258,9 @@
           <a:bodyPr/>
           <a:lstStyle/>
           <a:p>
-            <a:pPr algn="l"/>
-            <a:r>
-              <a:rPr lang="en-US" dirty="0" smtClean="0"/>
-              <a:t>2.0.0</a:t>
+            <a:r>
+              <a:rPr lang="en-US" dirty="0" smtClean="0"/>
+              <a:t>Road Map</a:t>
             </a:r>
             <a:endParaRPr lang="en-US" dirty="0"/>
           </a:p>
@@ -3303,23 +3285,54 @@
           <a:p>
             <a:r>
               <a:rPr lang="en-US" dirty="0" smtClean="0"/>
-              <a:t>Web Site</a:t>
-            </a:r>
-          </a:p>
-          <a:p>
-            <a:r>
-              <a:rPr lang="en-US" dirty="0" smtClean="0"/>
-              <a:t>Change core design if necessary</a:t>
-            </a:r>
-          </a:p>
-          <a:p>
-            <a:r>
-              <a:rPr lang="en-US" dirty="0" smtClean="0"/>
-              <a:t>Prepare for publish</a:t>
-            </a:r>
-          </a:p>
-          <a:p>
-            <a:endParaRPr lang="en-US" dirty="0" smtClean="0"/>
+              <a:t>1.0.0</a:t>
+            </a:r>
+          </a:p>
+          <a:p>
+            <a:pPr lvl="1"/>
+            <a:r>
+              <a:rPr lang="en-US" dirty="0" smtClean="0"/>
+              <a:t>Main feature + Doc</a:t>
+            </a:r>
+          </a:p>
+          <a:p>
+            <a:r>
+              <a:rPr lang="en-US" dirty="0" smtClean="0"/>
+              <a:t>1.2.0</a:t>
+            </a:r>
+          </a:p>
+          <a:p>
+            <a:pPr lvl="1"/>
+            <a:r>
+              <a:rPr lang="en-US" dirty="0" smtClean="0"/>
+              <a:t>Other feature + Quality</a:t>
+            </a:r>
+          </a:p>
+          <a:p>
+            <a:r>
+              <a:rPr lang="en-US" dirty="0" smtClean="0"/>
+              <a:t>2.0.0</a:t>
+            </a:r>
+          </a:p>
+          <a:p>
+            <a:pPr lvl="1"/>
+            <a:r>
+              <a:rPr lang="en-US" dirty="0" smtClean="0"/>
+              <a:t>Optional plug-in + Web Site + Stable</a:t>
+            </a:r>
+          </a:p>
+          <a:p>
+            <a:r>
+              <a:rPr lang="en-US" dirty="0" smtClean="0"/>
+              <a:t>2.2.0</a:t>
+            </a:r>
+          </a:p>
+          <a:p>
+            <a:pPr lvl="1"/>
+            <a:r>
+              <a:rPr lang="en-US" dirty="0" smtClean="0"/>
+              <a:t>Publish + Support community + Cooperation</a:t>
+            </a:r>
           </a:p>
           <a:p>
             <a:endParaRPr lang="en-US" dirty="0"/>
@@ -3369,7 +3382,384 @@
             <a:pPr algn="l"/>
             <a:r>
               <a:rPr lang="en-US" dirty="0" smtClean="0"/>
-              <a:t>2.2.0</a:t>
+              <a:t>1.0.0</a:t>
+            </a:r>
+            <a:endParaRPr lang="en-US" dirty="0"/>
+          </a:p>
+        </p:txBody>
+      </p:sp>
+      <p:sp>
+        <p:nvSpPr>
+          <p:cNvPr id="3" name="Content Placeholder 2"/>
+          <p:cNvSpPr>
+            <a:spLocks noGrp="1"/>
+          </p:cNvSpPr>
+          <p:nvPr>
+            <p:ph idx="1"/>
+          </p:nvPr>
+        </p:nvSpPr>
+        <p:spPr/>
+        <p:txBody>
+          <a:bodyPr>
+            <a:normAutofit fontScale="70000" lnSpcReduction="20000"/>
+          </a:bodyPr>
+          <a:lstStyle/>
+          <a:p>
+            <a:r>
+              <a:rPr lang="en-US" dirty="0" smtClean="0"/>
+              <a:t>Core Design and Document</a:t>
+            </a:r>
+          </a:p>
+          <a:p>
+            <a:pPr lvl="1"/>
+            <a:r>
+              <a:rPr lang="en-US" dirty="0" smtClean="0"/>
+              <a:t>Mobile Lib Interface</a:t>
+            </a:r>
+          </a:p>
+          <a:p>
+            <a:pPr lvl="1"/>
+            <a:r>
+              <a:rPr lang="en-US" dirty="0" smtClean="0"/>
+              <a:t>Server backend Interface</a:t>
+            </a:r>
+          </a:p>
+          <a:p>
+            <a:pPr lvl="1"/>
+            <a:r>
+              <a:rPr lang="en-US" dirty="0" smtClean="0"/>
+              <a:t>Tunnel protocol</a:t>
+            </a:r>
+          </a:p>
+          <a:p>
+            <a:pPr lvl="1"/>
+            <a:r>
+              <a:rPr lang="en-US" dirty="0" smtClean="0"/>
+              <a:t>Server API</a:t>
+            </a:r>
+          </a:p>
+          <a:p>
+            <a:r>
+              <a:rPr lang="en-US" dirty="0" smtClean="0"/>
+              <a:t>Implement</a:t>
+            </a:r>
+          </a:p>
+          <a:p>
+            <a:pPr lvl="1"/>
+            <a:r>
+              <a:rPr lang="en-US" dirty="0" smtClean="0"/>
+              <a:t>Android Client</a:t>
+            </a:r>
+          </a:p>
+          <a:p>
+            <a:pPr lvl="1"/>
+            <a:r>
+              <a:rPr lang="en-US" dirty="0" smtClean="0"/>
+              <a:t>Server</a:t>
+            </a:r>
+          </a:p>
+          <a:p>
+            <a:pPr lvl="1"/>
+            <a:r>
+              <a:rPr lang="en-US" dirty="0" smtClean="0"/>
+              <a:t>Backend Adapter</a:t>
+            </a:r>
+          </a:p>
+          <a:p>
+            <a:pPr lvl="2"/>
+            <a:r>
+              <a:rPr lang="en-US" dirty="0" smtClean="0"/>
+              <a:t>Graphite</a:t>
+            </a:r>
+          </a:p>
+          <a:p>
+            <a:pPr lvl="2"/>
+            <a:r>
+              <a:rPr lang="en-US" dirty="0" smtClean="0"/>
+              <a:t>Google Analysis</a:t>
+            </a:r>
+          </a:p>
+          <a:p>
+            <a:pPr lvl="2"/>
+            <a:r>
+              <a:rPr lang="en-US" dirty="0" smtClean="0"/>
+              <a:t>File/FTP</a:t>
+            </a:r>
+          </a:p>
+          <a:p>
+            <a:pPr lvl="2"/>
+            <a:r>
+              <a:rPr lang="en-US" dirty="0" smtClean="0"/>
+              <a:t>AMQP</a:t>
+            </a:r>
+          </a:p>
+          <a:p>
+            <a:r>
+              <a:rPr lang="en-US" dirty="0" smtClean="0"/>
+              <a:t>Begin Daily Build</a:t>
+            </a:r>
+          </a:p>
+        </p:txBody>
+      </p:sp>
+    </p:spTree>
+  </p:cSld>
+  <p:clrMapOvr>
+    <a:masterClrMapping/>
+  </p:clrMapOvr>
+</p:sld>
+</file>
+
+<file path=ppt/slides/slide13.xml><?xml version="1.0" encoding="utf-8"?>
+<p:sld xmlns:a="http://schemas.openxmlformats.org/drawingml/2006/main" xmlns:r="http://schemas.openxmlformats.org/officeDocument/2006/relationships" xmlns:p="http://schemas.openxmlformats.org/presentationml/2006/main">
+  <p:cSld>
+    <p:spTree>
+      <p:nvGrpSpPr>
+        <p:cNvPr id="1" name=""/>
+        <p:cNvGrpSpPr/>
+        <p:nvPr/>
+      </p:nvGrpSpPr>
+      <p:grpSpPr>
+        <a:xfrm>
+          <a:off x="0" y="0"/>
+          <a:ext cx="0" cy="0"/>
+          <a:chOff x="0" y="0"/>
+          <a:chExt cx="0" cy="0"/>
+        </a:xfrm>
+      </p:grpSpPr>
+      <p:sp>
+        <p:nvSpPr>
+          <p:cNvPr id="2" name="Title 1"/>
+          <p:cNvSpPr>
+            <a:spLocks noGrp="1"/>
+          </p:cNvSpPr>
+          <p:nvPr>
+            <p:ph type="title"/>
+          </p:nvPr>
+        </p:nvSpPr>
+        <p:spPr/>
+        <p:txBody>
+          <a:bodyPr/>
+          <a:lstStyle/>
+          <a:p>
+            <a:pPr algn="l"/>
+            <a:r>
+              <a:rPr lang="en-US" dirty="0" smtClean="0"/>
+              <a:t>1.0.0-1.2.0</a:t>
+            </a:r>
+            <a:endParaRPr lang="en-US" dirty="0"/>
+          </a:p>
+        </p:txBody>
+      </p:sp>
+      <p:sp>
+        <p:nvSpPr>
+          <p:cNvPr id="3" name="Content Placeholder 2"/>
+          <p:cNvSpPr>
+            <a:spLocks noGrp="1"/>
+          </p:cNvSpPr>
+          <p:nvPr>
+            <p:ph idx="1"/>
+          </p:nvPr>
+        </p:nvSpPr>
+        <p:spPr/>
+        <p:txBody>
+          <a:bodyPr>
+            <a:normAutofit lnSpcReduction="10000"/>
+          </a:bodyPr>
+          <a:lstStyle/>
+          <a:p>
+            <a:r>
+              <a:rPr lang="en-US" dirty="0" smtClean="0"/>
+              <a:t>Support</a:t>
+            </a:r>
+          </a:p>
+          <a:p>
+            <a:pPr lvl="1"/>
+            <a:r>
+              <a:rPr lang="en-US" dirty="0" smtClean="0"/>
+              <a:t>CloudFoundry, App Engine</a:t>
+            </a:r>
+          </a:p>
+          <a:p>
+            <a:r>
+              <a:rPr lang="en-US" dirty="0" smtClean="0"/>
+              <a:t>Support</a:t>
+            </a:r>
+          </a:p>
+          <a:p>
+            <a:pPr lvl="1"/>
+            <a:r>
+              <a:rPr lang="en-US" dirty="0" smtClean="0"/>
+              <a:t>IOS</a:t>
+            </a:r>
+          </a:p>
+          <a:p>
+            <a:r>
+              <a:rPr lang="en-US" dirty="0" smtClean="0"/>
+              <a:t>Optimize Client</a:t>
+            </a:r>
+            <a:endParaRPr lang="en-US" dirty="0" smtClean="0"/>
+          </a:p>
+          <a:p>
+            <a:r>
+              <a:rPr lang="en-US" dirty="0" smtClean="0"/>
+              <a:t>GUI</a:t>
+            </a:r>
+          </a:p>
+          <a:p>
+            <a:r>
+              <a:rPr lang="en-US" dirty="0" smtClean="0"/>
+              <a:t>Done for All Use Case</a:t>
+            </a:r>
+          </a:p>
+          <a:p>
+            <a:r>
+              <a:rPr lang="en-US" dirty="0" smtClean="0"/>
+              <a:t>Test</a:t>
+            </a:r>
+          </a:p>
+          <a:p>
+            <a:endParaRPr lang="en-US" dirty="0" smtClean="0"/>
+          </a:p>
+          <a:p>
+            <a:endParaRPr lang="en-US" dirty="0"/>
+          </a:p>
+        </p:txBody>
+      </p:sp>
+    </p:spTree>
+  </p:cSld>
+  <p:clrMapOvr>
+    <a:masterClrMapping/>
+  </p:clrMapOvr>
+</p:sld>
+</file>
+
+<file path=ppt/slides/slide14.xml><?xml version="1.0" encoding="utf-8"?>
+<p:sld xmlns:a="http://schemas.openxmlformats.org/drawingml/2006/main" xmlns:r="http://schemas.openxmlformats.org/officeDocument/2006/relationships" xmlns:p="http://schemas.openxmlformats.org/presentationml/2006/main">
+  <p:cSld>
+    <p:spTree>
+      <p:nvGrpSpPr>
+        <p:cNvPr id="1" name=""/>
+        <p:cNvGrpSpPr/>
+        <p:nvPr/>
+      </p:nvGrpSpPr>
+      <p:grpSpPr>
+        <a:xfrm>
+          <a:off x="0" y="0"/>
+          <a:ext cx="0" cy="0"/>
+          <a:chOff x="0" y="0"/>
+          <a:chExt cx="0" cy="0"/>
+        </a:xfrm>
+      </p:grpSpPr>
+      <p:sp>
+        <p:nvSpPr>
+          <p:cNvPr id="2" name="Title 1"/>
+          <p:cNvSpPr>
+            <a:spLocks noGrp="1"/>
+          </p:cNvSpPr>
+          <p:nvPr>
+            <p:ph type="title"/>
+          </p:nvPr>
+        </p:nvSpPr>
+        <p:spPr/>
+        <p:txBody>
+          <a:bodyPr/>
+          <a:lstStyle/>
+          <a:p>
+            <a:pPr algn="l"/>
+            <a:r>
+              <a:rPr lang="en-US" dirty="0" smtClean="0"/>
+              <a:t>1.2.0-2.0.0</a:t>
+            </a:r>
+            <a:endParaRPr lang="en-US" dirty="0"/>
+          </a:p>
+        </p:txBody>
+      </p:sp>
+      <p:sp>
+        <p:nvSpPr>
+          <p:cNvPr id="3" name="Content Placeholder 2"/>
+          <p:cNvSpPr>
+            <a:spLocks noGrp="1"/>
+          </p:cNvSpPr>
+          <p:nvPr>
+            <p:ph idx="1"/>
+          </p:nvPr>
+        </p:nvSpPr>
+        <p:spPr/>
+        <p:txBody>
+          <a:bodyPr>
+            <a:normAutofit/>
+          </a:bodyPr>
+          <a:lstStyle/>
+          <a:p>
+            <a:r>
+              <a:rPr lang="en-US" dirty="0" smtClean="0"/>
+              <a:t>Web Site</a:t>
+            </a:r>
+          </a:p>
+          <a:p>
+            <a:r>
+              <a:rPr lang="en-US" dirty="0" smtClean="0"/>
+              <a:t>Change core design if necessary</a:t>
+            </a:r>
+          </a:p>
+          <a:p>
+            <a:r>
+              <a:rPr lang="en-US" dirty="0" smtClean="0"/>
+              <a:t>Prepare for publish</a:t>
+            </a:r>
+          </a:p>
+          <a:p>
+            <a:endParaRPr lang="en-US" dirty="0" smtClean="0"/>
+          </a:p>
+          <a:p>
+            <a:endParaRPr lang="en-US" dirty="0"/>
+          </a:p>
+        </p:txBody>
+      </p:sp>
+    </p:spTree>
+  </p:cSld>
+  <p:clrMapOvr>
+    <a:masterClrMapping/>
+  </p:clrMapOvr>
+</p:sld>
+</file>
+
+<file path=ppt/slides/slide15.xml><?xml version="1.0" encoding="utf-8"?>
+<p:sld xmlns:a="http://schemas.openxmlformats.org/drawingml/2006/main" xmlns:r="http://schemas.openxmlformats.org/officeDocument/2006/relationships" xmlns:p="http://schemas.openxmlformats.org/presentationml/2006/main">
+  <p:cSld>
+    <p:spTree>
+      <p:nvGrpSpPr>
+        <p:cNvPr id="1" name=""/>
+        <p:cNvGrpSpPr/>
+        <p:nvPr/>
+      </p:nvGrpSpPr>
+      <p:grpSpPr>
+        <a:xfrm>
+          <a:off x="0" y="0"/>
+          <a:ext cx="0" cy="0"/>
+          <a:chOff x="0" y="0"/>
+          <a:chExt cx="0" cy="0"/>
+        </a:xfrm>
+      </p:grpSpPr>
+      <p:sp>
+        <p:nvSpPr>
+          <p:cNvPr id="2" name="Title 1"/>
+          <p:cNvSpPr>
+            <a:spLocks noGrp="1"/>
+          </p:cNvSpPr>
+          <p:nvPr>
+            <p:ph type="title"/>
+          </p:nvPr>
+        </p:nvSpPr>
+        <p:spPr/>
+        <p:txBody>
+          <a:bodyPr/>
+          <a:lstStyle/>
+          <a:p>
+            <a:pPr algn="l"/>
+            <a:r>
+              <a:rPr lang="en-US" dirty="0" smtClean="0"/>
+              <a:t>2.0.0-2.2.0</a:t>
             </a:r>
             <a:endParaRPr lang="en-US" dirty="0"/>
           </a:p>
@@ -4850,7 +5240,7 @@
         <p:spPr/>
         <p:txBody>
           <a:bodyPr>
-            <a:normAutofit fontScale="85000" lnSpcReduction="20000"/>
+            <a:normAutofit fontScale="70000" lnSpcReduction="20000"/>
           </a:bodyPr>
           <a:lstStyle/>
           <a:p>
@@ -4902,8 +5292,20 @@
             <a:pPr lvl="1"/>
             <a:r>
               <a:rPr lang="en-US" dirty="0" smtClean="0"/>
-              <a:t>Global Service</a:t>
-            </a:r>
+              <a:t>Global </a:t>
+            </a:r>
+            <a:r>
+              <a:rPr lang="en-US" dirty="0" smtClean="0"/>
+              <a:t>Service</a:t>
+            </a:r>
+          </a:p>
+          <a:p>
+            <a:pPr lvl="1"/>
+            <a:r>
+              <a:rPr lang="en-US" dirty="0" smtClean="0"/>
+              <a:t>Not want to collect All data. Data policy is different by Device.</a:t>
+            </a:r>
+            <a:endParaRPr lang="en-US" dirty="0" smtClean="0"/>
           </a:p>
           <a:p>
             <a:pPr lvl="1"/>
@@ -4925,19 +5327,38 @@
               <a:t>Metrics Mobile + PaaS + Multi Analysis </a:t>
             </a:r>
             <a:r>
-              <a:rPr lang="en-US" dirty="0"/>
-              <a:t>S</a:t>
-            </a:r>
-            <a:r>
-              <a:rPr lang="en-US" dirty="0" smtClean="0"/>
-              <a:t>ervice</a:t>
-            </a:r>
-          </a:p>
-          <a:p>
-            <a:pPr lvl="1"/>
-            <a:r>
-              <a:rPr lang="en-US" dirty="0" smtClean="0"/>
-              <a:t>Easy config GUI for multi backend</a:t>
+              <a:rPr lang="en-US" dirty="0" smtClean="0"/>
+              <a:t>Service</a:t>
+            </a:r>
+          </a:p>
+          <a:p>
+            <a:pPr lvl="1"/>
+            <a:r>
+              <a:rPr lang="en-US" dirty="0" smtClean="0"/>
+              <a:t>Easy </a:t>
+            </a:r>
+            <a:r>
+              <a:rPr lang="en-US" dirty="0" smtClean="0"/>
+              <a:t>config </a:t>
+            </a:r>
+            <a:r>
+              <a:rPr lang="en-US" dirty="0" err="1" smtClean="0"/>
+              <a:t>GUIConfigable</a:t>
+            </a:r>
+            <a:r>
+              <a:rPr lang="en-US" dirty="0" smtClean="0"/>
+              <a:t> Data policy</a:t>
+            </a:r>
+          </a:p>
+          <a:p>
+            <a:pPr lvl="1"/>
+            <a:r>
+              <a:rPr lang="en-US" dirty="0" smtClean="0"/>
+              <a:t> </a:t>
+            </a:r>
+            <a:r>
+              <a:rPr lang="en-US" dirty="0" smtClean="0"/>
+              <a:t>for multi backend</a:t>
             </a:r>
           </a:p>
           <a:p>
@@ -5344,7 +5765,7 @@
           <a:p>
             <a:r>
               <a:rPr lang="en-US" dirty="0" smtClean="0"/>
-              <a:t>Road Map</a:t>
+              <a:t>Usage Guild 1</a:t>
             </a:r>
             <a:endParaRPr lang="en-US" dirty="0"/>
           </a:p>
@@ -5362,84 +5783,41 @@
         </p:nvSpPr>
         <p:spPr/>
         <p:txBody>
-          <a:bodyPr>
-            <a:normAutofit/>
-          </a:bodyPr>
-          <a:lstStyle/>
-          <a:p>
-            <a:r>
-              <a:rPr lang="en-US" dirty="0" smtClean="0"/>
-              <a:t>1.0.0</a:t>
-            </a:r>
-          </a:p>
-          <a:p>
-            <a:pPr lvl="1"/>
-            <a:r>
-              <a:rPr lang="en-US" dirty="0" smtClean="0"/>
-              <a:t>Main feature + Doc</a:t>
-            </a:r>
-          </a:p>
-          <a:p>
-            <a:r>
-              <a:rPr lang="en-US" dirty="0" smtClean="0"/>
-              <a:t>1.2.0</a:t>
-            </a:r>
-          </a:p>
-          <a:p>
-            <a:pPr lvl="1"/>
-            <a:r>
-              <a:rPr lang="en-US" dirty="0" smtClean="0"/>
-              <a:t>Other feature + Quality</a:t>
-            </a:r>
-          </a:p>
-          <a:p>
-            <a:r>
-              <a:rPr lang="en-US" dirty="0" smtClean="0"/>
-              <a:t>2.0.0</a:t>
-            </a:r>
-          </a:p>
-          <a:p>
-            <a:pPr lvl="1"/>
-            <a:r>
-              <a:rPr lang="en-US" dirty="0" smtClean="0"/>
-              <a:t>Optional plug-in </a:t>
-            </a:r>
-            <a:r>
-              <a:rPr lang="en-US" dirty="0" smtClean="0"/>
-              <a:t>+ Web </a:t>
-            </a:r>
-            <a:r>
-              <a:rPr lang="en-US" dirty="0" smtClean="0"/>
-              <a:t>Site + </a:t>
-            </a:r>
-            <a:r>
-              <a:rPr lang="en-US" dirty="0" smtClean="0"/>
-              <a:t>Stable</a:t>
-            </a:r>
-          </a:p>
-          <a:p>
-            <a:r>
-              <a:rPr lang="en-US" dirty="0" smtClean="0"/>
-              <a:t>2.2.0</a:t>
-            </a:r>
-          </a:p>
-          <a:p>
-            <a:pPr lvl="1"/>
-            <a:r>
-              <a:rPr lang="en-US" dirty="0" smtClean="0"/>
-              <a:t>Publish </a:t>
-            </a:r>
-            <a:r>
-              <a:rPr lang="en-US" dirty="0" smtClean="0"/>
-              <a:t>+ </a:t>
-            </a:r>
-            <a:r>
-              <a:rPr lang="en-US" dirty="0" smtClean="0"/>
-              <a:t>Support community + </a:t>
-            </a:r>
-            <a:r>
-              <a:rPr lang="en-US" dirty="0" smtClean="0"/>
-              <a:t>Cooperation</a:t>
+          <a:bodyPr/>
+          <a:lstStyle/>
+          <a:p>
+            <a:r>
+              <a:rPr lang="en-US" dirty="0" smtClean="0"/>
+              <a:t>Deployment</a:t>
+            </a:r>
+          </a:p>
+          <a:p>
+            <a:pPr lvl="1"/>
+            <a:r>
+              <a:rPr lang="en-US" dirty="0" smtClean="0"/>
+              <a:t>How to deploy on CloudFoundry/</a:t>
+            </a:r>
+            <a:r>
+              <a:rPr lang="en-US" dirty="0" err="1" smtClean="0"/>
+              <a:t>HeroKu</a:t>
+            </a:r>
+            <a:r>
+              <a:rPr lang="en-US" dirty="0" smtClean="0"/>
+              <a:t>/GAE/SAE</a:t>
+            </a:r>
+          </a:p>
+          <a:p>
+            <a:pPr lvl="1"/>
+            <a:r>
+              <a:rPr lang="en-US" dirty="0" smtClean="0"/>
+              <a:t>How to deploy single instance on Linux</a:t>
+            </a:r>
+          </a:p>
+          <a:p>
+            <a:pPr lvl="1"/>
+            <a:r>
+              <a:rPr lang="en-US" dirty="0" smtClean="0"/>
+              <a:t>How to deploy multi instance</a:t>
             </a:r>
           </a:p>
           <a:p>
@@ -5487,10 +5865,13 @@
           <a:bodyPr/>
           <a:lstStyle/>
           <a:p>
-            <a:pPr algn="l"/>
-            <a:r>
-              <a:rPr lang="en-US" dirty="0" smtClean="0"/>
-              <a:t>1.0.0</a:t>
+            <a:r>
+              <a:rPr lang="en-US" dirty="0" smtClean="0"/>
+              <a:t>Usage Guild </a:t>
+            </a:r>
+            <a:r>
+              <a:rPr lang="en-US" dirty="0" smtClean="0"/>
+              <a:t>2</a:t>
             </a:r>
             <a:endParaRPr lang="en-US" dirty="0"/>
           </a:p>
@@ -5509,107 +5890,124 @@
         <p:spPr/>
         <p:txBody>
           <a:bodyPr>
-            <a:normAutofit fontScale="70000" lnSpcReduction="20000"/>
+            <a:normAutofit fontScale="92500" lnSpcReduction="20000"/>
           </a:bodyPr>
           <a:lstStyle/>
           <a:p>
             <a:r>
               <a:rPr lang="en-US" dirty="0" smtClean="0"/>
-              <a:t>Core Design and Document</a:t>
-            </a:r>
-          </a:p>
-          <a:p>
-            <a:pPr lvl="1"/>
-            <a:r>
-              <a:rPr lang="en-US" dirty="0" smtClean="0"/>
-              <a:t>Mobile Lib Interface</a:t>
-            </a:r>
-          </a:p>
-          <a:p>
-            <a:pPr lvl="1"/>
-            <a:r>
-              <a:rPr lang="en-US" dirty="0" smtClean="0"/>
-              <a:t>Server backend Interface</a:t>
-            </a:r>
-          </a:p>
-          <a:p>
-            <a:pPr lvl="1"/>
-            <a:r>
-              <a:rPr lang="en-US" dirty="0" smtClean="0"/>
-              <a:t>Tunnel </a:t>
-            </a:r>
-            <a:r>
-              <a:rPr lang="en-US" dirty="0" smtClean="0"/>
-              <a:t>protocol</a:t>
-            </a:r>
-          </a:p>
-          <a:p>
-            <a:pPr lvl="1"/>
-            <a:r>
-              <a:rPr lang="en-US" dirty="0" smtClean="0"/>
-              <a:t>Server API</a:t>
-            </a:r>
-          </a:p>
-          <a:p>
-            <a:r>
-              <a:rPr lang="en-US" dirty="0" smtClean="0"/>
-              <a:t>Implement</a:t>
-            </a:r>
-          </a:p>
-          <a:p>
-            <a:pPr lvl="1"/>
-            <a:r>
-              <a:rPr lang="en-US" dirty="0" smtClean="0"/>
-              <a:t>Android Client</a:t>
-            </a:r>
-          </a:p>
-          <a:p>
-            <a:pPr lvl="1"/>
-            <a:r>
-              <a:rPr lang="en-US" dirty="0" smtClean="0"/>
-              <a:t>Server</a:t>
-            </a:r>
-          </a:p>
-          <a:p>
-            <a:pPr lvl="1"/>
-            <a:r>
-              <a:rPr lang="en-US" dirty="0" smtClean="0"/>
-              <a:t>Backend Adapter</a:t>
-            </a:r>
-          </a:p>
-          <a:p>
-            <a:pPr lvl="2"/>
-            <a:r>
-              <a:rPr lang="en-US" dirty="0" smtClean="0"/>
-              <a:t>Graphite</a:t>
-            </a:r>
-          </a:p>
-          <a:p>
-            <a:pPr lvl="2"/>
-            <a:r>
-              <a:rPr lang="en-US" dirty="0" smtClean="0"/>
-              <a:t>Google Analysis</a:t>
-            </a:r>
-          </a:p>
-          <a:p>
-            <a:pPr lvl="2"/>
-            <a:r>
-              <a:rPr lang="en-US" dirty="0" smtClean="0"/>
-              <a:t>File/FTP</a:t>
-            </a:r>
-          </a:p>
-          <a:p>
-            <a:pPr lvl="2"/>
-            <a:r>
-              <a:rPr lang="en-US" dirty="0" smtClean="0"/>
-              <a:t>AMQP</a:t>
-            </a:r>
-          </a:p>
-          <a:p>
-            <a:r>
-              <a:rPr lang="en-US" dirty="0" smtClean="0"/>
-              <a:t>Begin Daily Build</a:t>
-            </a:r>
+              <a:t>Backend support</a:t>
+            </a:r>
+          </a:p>
+          <a:p>
+            <a:pPr lvl="1"/>
+            <a:r>
+              <a:rPr lang="en-US" dirty="0" smtClean="0"/>
+              <a:t>How to use Google </a:t>
+            </a:r>
+            <a:r>
+              <a:rPr lang="en-US" dirty="0" err="1" smtClean="0"/>
+              <a:t>Anlysise</a:t>
+            </a:r>
+            <a:r>
+              <a:rPr lang="en-US" dirty="0" smtClean="0"/>
+              <a:t>/Furry</a:t>
+            </a:r>
+          </a:p>
+          <a:p>
+            <a:pPr lvl="1"/>
+            <a:r>
+              <a:rPr lang="en-US" dirty="0" smtClean="0"/>
+              <a:t>How to export to file/FTP</a:t>
+            </a:r>
+          </a:p>
+          <a:p>
+            <a:pPr lvl="1"/>
+            <a:r>
+              <a:rPr lang="en-US" dirty="0" smtClean="0"/>
+              <a:t>How to use Ganglia/</a:t>
+            </a:r>
+            <a:r>
+              <a:rPr lang="en-US" dirty="0" err="1" smtClean="0"/>
+              <a:t>Graphlit</a:t>
+            </a:r>
+            <a:endParaRPr lang="en-US" dirty="0" smtClean="0"/>
+          </a:p>
+          <a:p>
+            <a:pPr lvl="1"/>
+            <a:r>
+              <a:rPr lang="en-US" dirty="0" smtClean="0"/>
+              <a:t>How to use </a:t>
+            </a:r>
+            <a:r>
+              <a:rPr lang="en-US" dirty="0" err="1" smtClean="0"/>
+              <a:t>DataBase</a:t>
+            </a:r>
+            <a:r>
+              <a:rPr lang="en-US" dirty="0" smtClean="0"/>
+              <a:t>/Mysql/Greenplum</a:t>
+            </a:r>
+          </a:p>
+          <a:p>
+            <a:pPr lvl="1"/>
+            <a:r>
+              <a:rPr lang="en-US" dirty="0" smtClean="0"/>
+              <a:t>How to use AMQP</a:t>
+            </a:r>
+          </a:p>
+          <a:p>
+            <a:pPr lvl="1"/>
+            <a:r>
+              <a:rPr lang="en-US" dirty="0" smtClean="0"/>
+              <a:t>……</a:t>
+            </a:r>
+          </a:p>
+          <a:p>
+            <a:r>
+              <a:rPr lang="en-US" dirty="0" smtClean="0"/>
+              <a:t>Usage support</a:t>
+            </a:r>
+          </a:p>
+          <a:p>
+            <a:pPr lvl="1"/>
+            <a:r>
+              <a:rPr lang="en-US" dirty="0" smtClean="0"/>
+              <a:t>How to use with Android</a:t>
+            </a:r>
+          </a:p>
+          <a:p>
+            <a:pPr lvl="1"/>
+            <a:r>
+              <a:rPr lang="en-US" dirty="0" smtClean="0"/>
+              <a:t>How to use with IOS</a:t>
+            </a:r>
+          </a:p>
+          <a:p>
+            <a:pPr lvl="1"/>
+            <a:r>
+              <a:rPr lang="en-US" dirty="0" smtClean="0"/>
+              <a:t>How to config data collection policy</a:t>
+            </a:r>
+          </a:p>
+          <a:p>
+            <a:pPr lvl="1"/>
+            <a:endParaRPr lang="en-US" dirty="0" smtClean="0"/>
+          </a:p>
+          <a:p>
+            <a:pPr lvl="1">
+              <a:buNone/>
+            </a:pPr>
+            <a:endParaRPr lang="en-US" dirty="0" smtClean="0"/>
+          </a:p>
+          <a:p>
+            <a:pPr lvl="1"/>
+            <a:endParaRPr lang="en-US" dirty="0" smtClean="0"/>
+          </a:p>
+          <a:p>
+            <a:endParaRPr lang="en-US" dirty="0" smtClean="0"/>
+          </a:p>
+          <a:p>
+            <a:endParaRPr lang="en-US" dirty="0"/>
           </a:p>
         </p:txBody>
       </p:sp>
